--- a/Fall 2015/Lectures/Lecture 3 Formulations/Lecture 3 Formulations.pptx
+++ b/Fall 2015/Lectures/Lecture 3 Formulations/Lecture 3 Formulations.pptx
@@ -5,22 +5,23 @@
     <p:sldMasterId id="2147483648" r:id="rId1"/>
   </p:sldMasterIdLst>
   <p:notesMasterIdLst>
-    <p:notesMasterId r:id="rId12"/>
+    <p:notesMasterId r:id="rId13"/>
   </p:notesMasterIdLst>
   <p:handoutMasterIdLst>
-    <p:handoutMasterId r:id="rId13"/>
+    <p:handoutMasterId r:id="rId14"/>
   </p:handoutMasterIdLst>
   <p:sldIdLst>
     <p:sldId id="256" r:id="rId2"/>
     <p:sldId id="257" r:id="rId3"/>
     <p:sldId id="350" r:id="rId4"/>
-    <p:sldId id="351" r:id="rId5"/>
-    <p:sldId id="352" r:id="rId6"/>
-    <p:sldId id="353" r:id="rId7"/>
-    <p:sldId id="354" r:id="rId8"/>
-    <p:sldId id="338" r:id="rId9"/>
-    <p:sldId id="339" r:id="rId10"/>
-    <p:sldId id="340" r:id="rId11"/>
+    <p:sldId id="355" r:id="rId5"/>
+    <p:sldId id="351" r:id="rId6"/>
+    <p:sldId id="352" r:id="rId7"/>
+    <p:sldId id="353" r:id="rId8"/>
+    <p:sldId id="354" r:id="rId9"/>
+    <p:sldId id="338" r:id="rId10"/>
+    <p:sldId id="339" r:id="rId11"/>
+    <p:sldId id="340" r:id="rId12"/>
   </p:sldIdLst>
   <p:sldSz cx="6858000" cy="9144000" type="screen4x3"/>
   <p:notesSz cx="9296400" cy="7010400"/>
@@ -921,10 +922,94 @@
           <a:bodyPr/>
           <a:lstStyle/>
           <a:p>
+            <a:fld id="{356D408C-FA60-EE44-98F9-6C8E6AAE0D7A}" type="slidenum">
+              <a:rPr lang="en-US"/>
+              <a:pPr/>
+              <a:t>10</a:t>
+            </a:fld>
+            <a:endParaRPr lang="en-US"/>
+          </a:p>
+        </p:txBody>
+      </p:sp>
+      <p:sp>
+        <p:nvSpPr>
+          <p:cNvPr id="191490" name="Rectangle 2"/>
+          <p:cNvSpPr>
+            <a:spLocks noGrp="1" noRot="1" noChangeAspect="1" noChangeArrowheads="1" noTextEdit="1"/>
+          </p:cNvSpPr>
+          <p:nvPr>
+            <p:ph type="sldImg"/>
+          </p:nvPr>
+        </p:nvSpPr>
+        <p:spPr>
+          <a:ln/>
+        </p:spPr>
+      </p:sp>
+      <p:sp>
+        <p:nvSpPr>
+          <p:cNvPr id="191491" name="Rectangle 3"/>
+          <p:cNvSpPr>
+            <a:spLocks noGrp="1" noChangeArrowheads="1"/>
+          </p:cNvSpPr>
+          <p:nvPr>
+            <p:ph type="body" idx="1"/>
+          </p:nvPr>
+        </p:nvSpPr>
+        <p:spPr/>
+        <p:txBody>
+          <a:bodyPr/>
+          <a:lstStyle/>
+          <a:p>
+            <a:endParaRPr lang="en-US"/>
+          </a:p>
+        </p:txBody>
+      </p:sp>
+    </p:spTree>
+  </p:cSld>
+  <p:clrMapOvr>
+    <a:masterClrMapping/>
+  </p:clrMapOvr>
+</p:notes>
+</file>
+
+<file path=ppt/notesSlides/notesSlide11.xml><?xml version="1.0" encoding="utf-8"?>
+<p:notes xmlns:a="http://schemas.openxmlformats.org/drawingml/2006/main" xmlns:r="http://schemas.openxmlformats.org/officeDocument/2006/relationships" xmlns:p="http://schemas.openxmlformats.org/presentationml/2006/main">
+  <p:cSld>
+    <p:spTree>
+      <p:nvGrpSpPr>
+        <p:cNvPr id="1" name=""/>
+        <p:cNvGrpSpPr/>
+        <p:nvPr/>
+      </p:nvGrpSpPr>
+      <p:grpSpPr>
+        <a:xfrm>
+          <a:off x="0" y="0"/>
+          <a:ext cx="0" cy="0"/>
+          <a:chOff x="0" y="0"/>
+          <a:chExt cx="0" cy="0"/>
+        </a:xfrm>
+      </p:grpSpPr>
+      <p:sp>
+        <p:nvSpPr>
+          <p:cNvPr id="7" name="Rectangle 7"/>
+          <p:cNvSpPr>
+            <a:spLocks noGrp="1" noChangeArrowheads="1"/>
+          </p:cNvSpPr>
+          <p:nvPr>
+            <p:ph type="sldNum" sz="quarter" idx="5"/>
+          </p:nvPr>
+        </p:nvSpPr>
+        <p:spPr>
+          <a:ln/>
+        </p:spPr>
+        <p:txBody>
+          <a:bodyPr/>
+          <a:lstStyle/>
+          <a:p>
             <a:fld id="{50E215C5-944B-1B49-9475-276F50911E04}" type="slidenum">
               <a:rPr lang="en-US"/>
               <a:pPr/>
-              <a:t>10</a:t>
+              <a:t>11</a:t>
             </a:fld>
             <a:endParaRPr lang="en-US"/>
           </a:p>
@@ -1509,7 +1594,7 @@
           <a:bodyPr/>
           <a:lstStyle/>
           <a:p>
-            <a:fld id="{EBBE5CE9-B5D4-4046-89AE-C0BB7525CB9C}" type="slidenum">
+            <a:fld id="{40953D12-2C9A-B946-A0B9-26FFC10E3279}" type="slidenum">
               <a:rPr lang="en-US"/>
               <a:pPr/>
               <a:t>8</a:t>
@@ -1520,7 +1605,7 @@
       </p:sp>
       <p:sp>
         <p:nvSpPr>
-          <p:cNvPr id="189442" name="Rectangle 2"/>
+          <p:cNvPr id="22530" name="Rectangle 2"/>
           <p:cNvSpPr>
             <a:spLocks noGrp="1" noRot="1" noChangeAspect="1" noChangeArrowheads="1" noTextEdit="1"/>
           </p:cNvSpPr>
@@ -1534,7 +1619,7 @@
       </p:sp>
       <p:sp>
         <p:nvSpPr>
-          <p:cNvPr id="189443" name="Rectangle 3"/>
+          <p:cNvPr id="22531" name="Rectangle 3"/>
           <p:cNvSpPr>
             <a:spLocks noGrp="1" noChangeArrowheads="1"/>
           </p:cNvSpPr>
@@ -1544,7 +1629,7 @@
         </p:nvSpPr>
         <p:spPr/>
         <p:txBody>
-          <a:bodyPr/>
+          <a:bodyPr anchor="t"/>
           <a:lstStyle/>
           <a:p>
             <a:endParaRPr lang="en-US"/>
@@ -1593,7 +1678,7 @@
           <a:bodyPr/>
           <a:lstStyle/>
           <a:p>
-            <a:fld id="{356D408C-FA60-EE44-98F9-6C8E6AAE0D7A}" type="slidenum">
+            <a:fld id="{EBBE5CE9-B5D4-4046-89AE-C0BB7525CB9C}" type="slidenum">
               <a:rPr lang="en-US"/>
               <a:pPr/>
               <a:t>9</a:t>
@@ -1604,7 +1689,7 @@
       </p:sp>
       <p:sp>
         <p:nvSpPr>
-          <p:cNvPr id="191490" name="Rectangle 2"/>
+          <p:cNvPr id="189442" name="Rectangle 2"/>
           <p:cNvSpPr>
             <a:spLocks noGrp="1" noRot="1" noChangeAspect="1" noChangeArrowheads="1" noTextEdit="1"/>
           </p:cNvSpPr>
@@ -1618,7 +1703,7 @@
       </p:sp>
       <p:sp>
         <p:nvSpPr>
-          <p:cNvPr id="191491" name="Rectangle 3"/>
+          <p:cNvPr id="189443" name="Rectangle 3"/>
           <p:cNvSpPr>
             <a:spLocks noGrp="1" noChangeArrowheads="1"/>
           </p:cNvSpPr>
@@ -5287,10 +5372,271 @@
             <a:endParaRPr lang="en-US"/>
           </a:p>
           <a:p>
+            <a:fld id="{078BF8E2-08DE-A748-A348-639BD31F2236}" type="slidenum">
+              <a:rPr lang="en-US"/>
+              <a:pPr/>
+              <a:t>10</a:t>
+            </a:fld>
+            <a:endParaRPr lang="en-US"/>
+          </a:p>
+        </p:txBody>
+      </p:sp>
+      <p:sp>
+        <p:nvSpPr>
+          <p:cNvPr id="190466" name="Rectangle 2"/>
+          <p:cNvSpPr>
+            <a:spLocks noGrp="1" noChangeArrowheads="1"/>
+          </p:cNvSpPr>
+          <p:nvPr>
+            <p:ph type="title"/>
+          </p:nvPr>
+        </p:nvSpPr>
+        <p:spPr/>
+        <p:txBody>
+          <a:bodyPr/>
+          <a:lstStyle/>
+          <a:p>
+            <a:r>
+              <a:rPr lang="en-US"/>
+              <a:t>Planning for Tuition Expenses</a:t>
+            </a:r>
+          </a:p>
+        </p:txBody>
+      </p:sp>
+      <p:sp>
+        <p:nvSpPr>
+          <p:cNvPr id="190467" name="Rectangle 3"/>
+          <p:cNvSpPr>
+            <a:spLocks noGrp="1" noChangeArrowheads="1"/>
+          </p:cNvSpPr>
+          <p:nvPr>
+            <p:ph type="body" idx="1"/>
+          </p:nvPr>
+        </p:nvSpPr>
+        <p:spPr>
+          <a:xfrm>
+            <a:off x="533400" y="1676400"/>
+            <a:ext cx="5829300" cy="6629400"/>
+          </a:xfrm>
+        </p:spPr>
+        <p:txBody>
+          <a:bodyPr/>
+          <a:lstStyle/>
+          <a:p>
+            <a:pPr algn="just">
+              <a:lnSpc>
+                <a:spcPct val="120000"/>
+              </a:lnSpc>
+              <a:buFontTx/>
+              <a:buNone/>
+            </a:pPr>
+            <a:r>
+              <a:rPr lang="en-US"/>
+              <a:t>1. What must be decided? What are the decision variables? </a:t>
+            </a:r>
+          </a:p>
+          <a:p>
+            <a:endParaRPr lang="en-US"/>
+          </a:p>
+          <a:p>
+            <a:endParaRPr lang="en-US"/>
+          </a:p>
+          <a:p>
+            <a:endParaRPr lang="en-US"/>
+          </a:p>
+          <a:p>
+            <a:endParaRPr lang="en-US"/>
+          </a:p>
+          <a:p>
+            <a:endParaRPr lang="en-US"/>
+          </a:p>
+          <a:p>
+            <a:endParaRPr lang="en-US"/>
+          </a:p>
+          <a:p>
+            <a:endParaRPr lang="en-US"/>
+          </a:p>
+          <a:p>
+            <a:endParaRPr lang="en-US"/>
+          </a:p>
+          <a:p>
+            <a:pPr>
+              <a:buFontTx/>
+              <a:buNone/>
+            </a:pPr>
+            <a:r>
+              <a:rPr lang="en-US"/>
+              <a:t>2. What measure should we use to compare alternative sets of decisions?</a:t>
+            </a:r>
+          </a:p>
+          <a:p>
+            <a:pPr>
+              <a:buFontTx/>
+              <a:buNone/>
+            </a:pPr>
+            <a:endParaRPr lang="en-US"/>
+          </a:p>
+          <a:p>
+            <a:pPr>
+              <a:buFontTx/>
+              <a:buNone/>
+            </a:pPr>
+            <a:endParaRPr lang="en-US"/>
+          </a:p>
+          <a:p>
+            <a:pPr>
+              <a:buFontTx/>
+              <a:buNone/>
+            </a:pPr>
+            <a:r>
+              <a:rPr lang="en-US"/>
+              <a:t>3. What restrictions limit our choices?</a:t>
+            </a:r>
+            <a:r>
+              <a:rPr lang="en-US">
+                <a:latin typeface="Lucida Sans" charset="0"/>
+              </a:rPr>
+              <a:t> </a:t>
+            </a:r>
+            <a:endParaRPr lang="en-US"/>
+          </a:p>
+          <a:p>
+            <a:endParaRPr lang="en-US"/>
+          </a:p>
+          <a:p>
+            <a:endParaRPr lang="en-US"/>
+          </a:p>
+          <a:p>
+            <a:endParaRPr lang="en-US" sz="3200"/>
+          </a:p>
+        </p:txBody>
+      </p:sp>
+      <p:pic>
+        <p:nvPicPr>
+          <p:cNvPr id="190468" name="Picture 4" descr="j0285468"/>
+          <p:cNvPicPr>
+            <a:picLocks noChangeAspect="1" noChangeArrowheads="1"/>
+          </p:cNvPicPr>
+          <p:nvPr/>
+        </p:nvPicPr>
+        <p:blipFill>
+          <a:blip r:embed="rId3"/>
+          <a:srcRect/>
+          <a:stretch>
+            <a:fillRect/>
+          </a:stretch>
+        </p:blipFill>
+        <p:spPr bwMode="auto">
+          <a:xfrm>
+            <a:off x="5791200" y="7543800"/>
+            <a:ext cx="908050" cy="908050"/>
+          </a:xfrm>
+          <a:prstGeom prst="rect">
+            <a:avLst/>
+          </a:prstGeom>
+          <a:noFill/>
+        </p:spPr>
+      </p:pic>
+      <p:sp>
+        <p:nvSpPr>
+          <p:cNvPr id="8" name="Footer Placeholder 7"/>
+          <p:cNvSpPr>
+            <a:spLocks noGrp="1"/>
+          </p:cNvSpPr>
+          <p:nvPr>
+            <p:ph type="ftr" sz="quarter" idx="11"/>
+          </p:nvPr>
+        </p:nvSpPr>
+        <p:spPr/>
+        <p:txBody>
+          <a:bodyPr/>
+          <a:lstStyle/>
+          <a:p>
+            <a:r>
+              <a:rPr lang="en-US" smtClean="0"/>
+              <a:t>Professor Dong Washington University in St. Louis, MO</a:t>
+            </a:r>
+            <a:endParaRPr lang="en-US" dirty="0"/>
+          </a:p>
+        </p:txBody>
+      </p:sp>
+    </p:spTree>
+  </p:cSld>
+  <p:clrMapOvr>
+    <a:masterClrMapping/>
+  </p:clrMapOvr>
+  <p:timing>
+    <p:tnLst>
+      <p:par>
+        <p:cTn xmlns:p14="http://schemas.microsoft.com/office/powerpoint/2010/main" id="1" dur="indefinite" restart="never" nodeType="tmRoot"/>
+      </p:par>
+    </p:tnLst>
+  </p:timing>
+</p:sld>
+</file>
+
+<file path=ppt/slides/slide11.xml><?xml version="1.0" encoding="utf-8"?>
+<p:sld xmlns:a="http://schemas.openxmlformats.org/drawingml/2006/main" xmlns:r="http://schemas.openxmlformats.org/officeDocument/2006/relationships" xmlns:p="http://schemas.openxmlformats.org/presentationml/2006/main">
+  <p:cSld>
+    <p:spTree>
+      <p:nvGrpSpPr>
+        <p:cNvPr id="1" name=""/>
+        <p:cNvGrpSpPr/>
+        <p:nvPr/>
+      </p:nvGrpSpPr>
+      <p:grpSpPr>
+        <a:xfrm>
+          <a:off x="0" y="0"/>
+          <a:ext cx="0" cy="0"/>
+          <a:chOff x="0" y="0"/>
+          <a:chExt cx="0" cy="0"/>
+        </a:xfrm>
+      </p:grpSpPr>
+      <p:sp>
+        <p:nvSpPr>
+          <p:cNvPr id="5" name="Date Placeholder 3"/>
+          <p:cNvSpPr>
+            <a:spLocks noGrp="1"/>
+          </p:cNvSpPr>
+          <p:nvPr>
+            <p:ph type="dt" sz="half" idx="10"/>
+          </p:nvPr>
+        </p:nvSpPr>
+        <p:spPr/>
+        <p:txBody>
+          <a:bodyPr/>
+          <a:lstStyle/>
+          <a:p>
+            <a:r>
+              <a:rPr lang="en-US" smtClean="0"/>
+              <a:t>9/16/2013,  9/18/2013</a:t>
+            </a:r>
+            <a:endParaRPr lang="en-US"/>
+          </a:p>
+        </p:txBody>
+      </p:sp>
+      <p:sp>
+        <p:nvSpPr>
+          <p:cNvPr id="7" name="Slide Number Placeholder 5"/>
+          <p:cNvSpPr>
+            <a:spLocks noGrp="1"/>
+          </p:cNvSpPr>
+          <p:nvPr>
+            <p:ph type="sldNum" sz="quarter" idx="12"/>
+          </p:nvPr>
+        </p:nvSpPr>
+        <p:spPr/>
+        <p:txBody>
+          <a:bodyPr/>
+          <a:lstStyle/>
+          <a:p>
+            <a:endParaRPr lang="en-US"/>
+          </a:p>
+          <a:p>
             <a:fld id="{FF482983-A4D1-E44A-A6D1-250E1805D2B6}" type="slidenum">
               <a:rPr lang="en-US"/>
               <a:pPr/>
-              <a:t>10</a:t>
+              <a:t>11</a:t>
             </a:fld>
             <a:endParaRPr lang="en-US"/>
           </a:p>
@@ -5963,6 +6309,204 @@
           <a:p>
             <a:r>
               <a:rPr lang="en-US" dirty="0" smtClean="0"/>
+              <a:t>Thought Experiment</a:t>
+            </a:r>
+            <a:endParaRPr lang="en-US" dirty="0"/>
+          </a:p>
+        </p:txBody>
+      </p:sp>
+      <p:sp>
+        <p:nvSpPr>
+          <p:cNvPr id="7" name="Footer Placeholder 6"/>
+          <p:cNvSpPr>
+            <a:spLocks noGrp="1"/>
+          </p:cNvSpPr>
+          <p:nvPr>
+            <p:ph type="ftr" sz="quarter" idx="11"/>
+          </p:nvPr>
+        </p:nvSpPr>
+        <p:spPr/>
+        <p:txBody>
+          <a:bodyPr/>
+          <a:lstStyle/>
+          <a:p>
+            <a:r>
+              <a:rPr lang="en-US" smtClean="0"/>
+              <a:t>Professor Dong Washington University in St. Louis, MO</a:t>
+            </a:r>
+            <a:endParaRPr lang="en-US" dirty="0"/>
+          </a:p>
+        </p:txBody>
+      </p:sp>
+      <p:sp>
+        <p:nvSpPr>
+          <p:cNvPr id="3" name="TextBox 2"/>
+          <p:cNvSpPr txBox="1"/>
+          <p:nvPr/>
+        </p:nvSpPr>
+        <p:spPr>
+          <a:xfrm>
+            <a:off x="533400" y="2209800"/>
+            <a:ext cx="5943600" cy="3323987"/>
+          </a:xfrm>
+          <a:prstGeom prst="rect">
+            <a:avLst/>
+          </a:prstGeom>
+          <a:noFill/>
+        </p:spPr>
+        <p:txBody>
+          <a:bodyPr wrap="square" rtlCol="0">
+            <a:spAutoFit/>
+          </a:bodyPr>
+          <a:lstStyle/>
+          <a:p>
+            <a:pPr algn="l"/>
+            <a:r>
+              <a:rPr lang="en-US" sz="3200" dirty="0" smtClean="0"/>
+              <a:t>Consider the following two matching/assignment problems</a:t>
+            </a:r>
+          </a:p>
+          <a:p>
+            <a:pPr algn="l"/>
+            <a:endParaRPr lang="en-US" sz="3200" dirty="0"/>
+          </a:p>
+          <a:p>
+            <a:pPr algn="l"/>
+            <a:endParaRPr lang="en-US" sz="3200" dirty="0" smtClean="0"/>
+          </a:p>
+          <a:p>
+            <a:pPr marL="285750" indent="-285750" algn="l">
+              <a:buFont typeface="Arial"/>
+              <a:buChar char="•"/>
+            </a:pPr>
+            <a:r>
+              <a:rPr lang="en-US" sz="3200" dirty="0" smtClean="0"/>
+              <a:t>Assigning classrooms to classes</a:t>
+            </a:r>
+          </a:p>
+          <a:p>
+            <a:pPr marL="285750" indent="-285750" algn="l">
+              <a:buFont typeface="Arial"/>
+              <a:buChar char="•"/>
+            </a:pPr>
+            <a:r>
+              <a:rPr lang="en-US" sz="3200" dirty="0" smtClean="0"/>
+              <a:t>Assigning residents to hospitals</a:t>
+            </a:r>
+          </a:p>
+          <a:p>
+            <a:pPr marL="285750" indent="-285750" algn="l">
+              <a:buFont typeface="Arial"/>
+              <a:buChar char="•"/>
+            </a:pPr>
+            <a:endParaRPr lang="en-US" dirty="0"/>
+          </a:p>
+        </p:txBody>
+      </p:sp>
+    </p:spTree>
+    <p:extLst>
+      <p:ext uri="{BB962C8B-B14F-4D97-AF65-F5344CB8AC3E}">
+        <p14:creationId xmlns:p14="http://schemas.microsoft.com/office/powerpoint/2010/main" val="3810225318"/>
+      </p:ext>
+    </p:extLst>
+  </p:cSld>
+  <p:clrMapOvr>
+    <a:masterClrMapping/>
+  </p:clrMapOvr>
+  <p:timing>
+    <p:tnLst>
+      <p:par>
+        <p:cTn xmlns:p14="http://schemas.microsoft.com/office/powerpoint/2010/main" id="1" dur="indefinite" restart="never" nodeType="tmRoot"/>
+      </p:par>
+    </p:tnLst>
+  </p:timing>
+</p:sld>
+</file>
+
+<file path=ppt/slides/slide5.xml><?xml version="1.0" encoding="utf-8"?>
+<p:sld xmlns:a="http://schemas.openxmlformats.org/drawingml/2006/main" xmlns:r="http://schemas.openxmlformats.org/officeDocument/2006/relationships" xmlns:p="http://schemas.openxmlformats.org/presentationml/2006/main">
+  <p:cSld>
+    <p:spTree>
+      <p:nvGrpSpPr>
+        <p:cNvPr id="1" name=""/>
+        <p:cNvGrpSpPr/>
+        <p:nvPr/>
+      </p:nvGrpSpPr>
+      <p:grpSpPr>
+        <a:xfrm>
+          <a:off x="0" y="0"/>
+          <a:ext cx="0" cy="0"/>
+          <a:chOff x="0" y="0"/>
+          <a:chExt cx="0" cy="0"/>
+        </a:xfrm>
+      </p:grpSpPr>
+      <p:sp>
+        <p:nvSpPr>
+          <p:cNvPr id="4" name="Date Placeholder 3"/>
+          <p:cNvSpPr>
+            <a:spLocks noGrp="1"/>
+          </p:cNvSpPr>
+          <p:nvPr>
+            <p:ph type="dt" sz="half" idx="10"/>
+          </p:nvPr>
+        </p:nvSpPr>
+        <p:spPr/>
+        <p:txBody>
+          <a:bodyPr/>
+          <a:lstStyle/>
+          <a:p>
+            <a:r>
+              <a:rPr lang="en-US" smtClean="0"/>
+              <a:t>9/16/2013,  9/18/2013</a:t>
+            </a:r>
+            <a:endParaRPr lang="en-US"/>
+          </a:p>
+        </p:txBody>
+      </p:sp>
+      <p:sp>
+        <p:nvSpPr>
+          <p:cNvPr id="6" name="Slide Number Placeholder 5"/>
+          <p:cNvSpPr>
+            <a:spLocks noGrp="1"/>
+          </p:cNvSpPr>
+          <p:nvPr>
+            <p:ph type="sldNum" sz="quarter" idx="12"/>
+          </p:nvPr>
+        </p:nvSpPr>
+        <p:spPr/>
+        <p:txBody>
+          <a:bodyPr/>
+          <a:lstStyle/>
+          <a:p>
+            <a:endParaRPr lang="en-US"/>
+          </a:p>
+          <a:p>
+            <a:fld id="{718A6759-E91E-E444-8799-A15035B85E5E}" type="slidenum">
+              <a:rPr lang="en-US"/>
+              <a:pPr/>
+              <a:t>5</a:t>
+            </a:fld>
+            <a:endParaRPr lang="en-US"/>
+          </a:p>
+        </p:txBody>
+      </p:sp>
+      <p:sp>
+        <p:nvSpPr>
+          <p:cNvPr id="3074" name="Rectangle 2"/>
+          <p:cNvSpPr>
+            <a:spLocks noGrp="1" noChangeArrowheads="1"/>
+          </p:cNvSpPr>
+          <p:nvPr>
+            <p:ph type="title"/>
+          </p:nvPr>
+        </p:nvSpPr>
+        <p:spPr/>
+        <p:txBody>
+          <a:bodyPr/>
+          <a:lstStyle/>
+          <a:p>
+            <a:r>
+              <a:rPr lang="en-US" dirty="0" smtClean="0"/>
               <a:t>Min Cost Flow Problem</a:t>
             </a:r>
             <a:endParaRPr lang="en-US" dirty="0"/>
@@ -6036,7 +6580,7 @@
 </p:sld>
 </file>
 
-<file path=ppt/slides/slide5.xml><?xml version="1.0" encoding="utf-8"?>
+<file path=ppt/slides/slide6.xml><?xml version="1.0" encoding="utf-8"?>
 <p:sld xmlns:a="http://schemas.openxmlformats.org/drawingml/2006/main" xmlns:r="http://schemas.openxmlformats.org/officeDocument/2006/relationships" xmlns:p="http://schemas.openxmlformats.org/presentationml/2006/main">
   <p:cSld>
     <p:spTree>
@@ -6097,7 +6641,7 @@
             <a:fld id="{718A6759-E91E-E444-8799-A15035B85E5E}" type="slidenum">
               <a:rPr lang="en-US"/>
               <a:pPr/>
-              <a:t>5</a:t>
+              <a:t>6</a:t>
             </a:fld>
             <a:endParaRPr lang="en-US"/>
           </a:p>
@@ -6193,282 +6737,6 @@
 </p:sld>
 </file>
 
-<file path=ppt/slides/slide6.xml><?xml version="1.0" encoding="utf-8"?>
-<p:sld xmlns:a="http://schemas.openxmlformats.org/drawingml/2006/main" xmlns:r="http://schemas.openxmlformats.org/officeDocument/2006/relationships" xmlns:p="http://schemas.openxmlformats.org/presentationml/2006/main">
-  <p:cSld>
-    <p:spTree>
-      <p:nvGrpSpPr>
-        <p:cNvPr id="1" name=""/>
-        <p:cNvGrpSpPr/>
-        <p:nvPr/>
-      </p:nvGrpSpPr>
-      <p:grpSpPr>
-        <a:xfrm>
-          <a:off x="0" y="0"/>
-          <a:ext cx="0" cy="0"/>
-          <a:chOff x="0" y="0"/>
-          <a:chExt cx="0" cy="0"/>
-        </a:xfrm>
-      </p:grpSpPr>
-      <p:sp>
-        <p:nvSpPr>
-          <p:cNvPr id="4" name="Date Placeholder 3"/>
-          <p:cNvSpPr>
-            <a:spLocks noGrp="1"/>
-          </p:cNvSpPr>
-          <p:nvPr>
-            <p:ph type="dt" sz="half" idx="10"/>
-          </p:nvPr>
-        </p:nvSpPr>
-        <p:spPr/>
-        <p:txBody>
-          <a:bodyPr/>
-          <a:lstStyle/>
-          <a:p>
-            <a:r>
-              <a:rPr lang="en-US" smtClean="0"/>
-              <a:t>9/16/2013,  9/18/2013</a:t>
-            </a:r>
-            <a:endParaRPr lang="en-US"/>
-          </a:p>
-        </p:txBody>
-      </p:sp>
-      <p:sp>
-        <p:nvSpPr>
-          <p:cNvPr id="6" name="Slide Number Placeholder 5"/>
-          <p:cNvSpPr>
-            <a:spLocks noGrp="1"/>
-          </p:cNvSpPr>
-          <p:nvPr>
-            <p:ph type="sldNum" sz="quarter" idx="12"/>
-          </p:nvPr>
-        </p:nvSpPr>
-        <p:spPr/>
-        <p:txBody>
-          <a:bodyPr/>
-          <a:lstStyle/>
-          <a:p>
-            <a:endParaRPr lang="en-US"/>
-          </a:p>
-          <a:p>
-            <a:fld id="{718A6759-E91E-E444-8799-A15035B85E5E}" type="slidenum">
-              <a:rPr lang="en-US"/>
-              <a:pPr/>
-              <a:t>6</a:t>
-            </a:fld>
-            <a:endParaRPr lang="en-US"/>
-          </a:p>
-        </p:txBody>
-      </p:sp>
-      <p:sp>
-        <p:nvSpPr>
-          <p:cNvPr id="3074" name="Rectangle 2"/>
-          <p:cNvSpPr>
-            <a:spLocks noGrp="1" noChangeArrowheads="1"/>
-          </p:cNvSpPr>
-          <p:nvPr>
-            <p:ph type="title"/>
-          </p:nvPr>
-        </p:nvSpPr>
-        <p:spPr/>
-        <p:txBody>
-          <a:bodyPr/>
-          <a:lstStyle/>
-          <a:p>
-            <a:r>
-              <a:rPr lang="en-US" dirty="0" smtClean="0"/>
-              <a:t>Shortest Path Problem - Application</a:t>
-            </a:r>
-            <a:endParaRPr lang="en-US" dirty="0"/>
-          </a:p>
-        </p:txBody>
-      </p:sp>
-      <p:sp>
-        <p:nvSpPr>
-          <p:cNvPr id="7" name="Footer Placeholder 6"/>
-          <p:cNvSpPr>
-            <a:spLocks noGrp="1"/>
-          </p:cNvSpPr>
-          <p:nvPr>
-            <p:ph type="ftr" sz="quarter" idx="11"/>
-          </p:nvPr>
-        </p:nvSpPr>
-        <p:spPr/>
-        <p:txBody>
-          <a:bodyPr/>
-          <a:lstStyle/>
-          <a:p>
-            <a:r>
-              <a:rPr lang="en-US" smtClean="0"/>
-              <a:t>Professor Dong Washington University in St. Louis, MO</a:t>
-            </a:r>
-            <a:endParaRPr lang="en-US" dirty="0"/>
-          </a:p>
-        </p:txBody>
-      </p:sp>
-      <p:sp>
-        <p:nvSpPr>
-          <p:cNvPr id="5" name="TextBox 4"/>
-          <p:cNvSpPr txBox="1"/>
-          <p:nvPr/>
-        </p:nvSpPr>
-        <p:spPr>
-          <a:xfrm>
-            <a:off x="533400" y="2133600"/>
-            <a:ext cx="5410200" cy="4154983"/>
-          </a:xfrm>
-          <a:prstGeom prst="rect">
-            <a:avLst/>
-          </a:prstGeom>
-          <a:noFill/>
-        </p:spPr>
-        <p:txBody>
-          <a:bodyPr wrap="square" rtlCol="0">
-            <a:spAutoFit/>
-          </a:bodyPr>
-          <a:lstStyle/>
-          <a:p>
-            <a:pPr algn="l"/>
-            <a:r>
-              <a:rPr lang="en-US" sz="2400" dirty="0" smtClean="0"/>
-              <a:t>Given </a:t>
-            </a:r>
-            <a:r>
-              <a:rPr lang="en-US" sz="2400" dirty="0"/>
-              <a:t>a starting word and an ending word, </a:t>
-            </a:r>
-            <a:r>
-              <a:rPr lang="en-US" sz="2400" dirty="0" smtClean="0"/>
-              <a:t>can </a:t>
-            </a:r>
-            <a:r>
-              <a:rPr lang="en-US" sz="2400" dirty="0"/>
-              <a:t>I design an algorithm to transform one word into the </a:t>
-            </a:r>
-            <a:r>
-              <a:rPr lang="en-US" sz="2400" dirty="0" smtClean="0"/>
-              <a:t>other with the minimum number of edits, where an edit is either changing</a:t>
-            </a:r>
-            <a:r>
-              <a:rPr lang="en-US" sz="2400" dirty="0"/>
-              <a:t>, adding, or deleting exactly one letter at a time, with the result being a valid English word at each step</a:t>
-            </a:r>
-            <a:r>
-              <a:rPr lang="en-US" sz="2400" dirty="0" smtClean="0"/>
-              <a:t>?</a:t>
-            </a:r>
-          </a:p>
-          <a:p>
-            <a:pPr algn="l"/>
-            <a:endParaRPr lang="en-US" sz="2400" dirty="0"/>
-          </a:p>
-          <a:p>
-            <a:pPr algn="l"/>
-            <a:r>
-              <a:rPr lang="en-US" sz="2400" dirty="0" smtClean="0"/>
-              <a:t>Example: Table -&gt; Chair:</a:t>
-            </a:r>
-          </a:p>
-          <a:p>
-            <a:pPr algn="l"/>
-            <a:endParaRPr lang="en-US" sz="2400" dirty="0"/>
-          </a:p>
-          <a:p>
-            <a:pPr algn="l"/>
-            <a:endParaRPr lang="en-US" sz="2400" dirty="0"/>
-          </a:p>
-        </p:txBody>
-      </p:sp>
-      <p:sp>
-        <p:nvSpPr>
-          <p:cNvPr id="8" name="Rectangle 7"/>
-          <p:cNvSpPr/>
-          <p:nvPr/>
-        </p:nvSpPr>
-        <p:spPr>
-          <a:xfrm>
-            <a:off x="1714500" y="5562600"/>
-            <a:ext cx="3619500" cy="2308324"/>
-          </a:xfrm>
-          <a:prstGeom prst="rect">
-            <a:avLst/>
-          </a:prstGeom>
-        </p:spPr>
-        <p:txBody>
-          <a:bodyPr wrap="square">
-            <a:spAutoFit/>
-          </a:bodyPr>
-          <a:lstStyle/>
-          <a:p>
-            <a:r>
-              <a:rPr lang="en-US" dirty="0"/>
-              <a:t>table</a:t>
-            </a:r>
-          </a:p>
-          <a:p>
-            <a:r>
-              <a:rPr lang="en-US" dirty="0"/>
-              <a:t>able</a:t>
-            </a:r>
-          </a:p>
-          <a:p>
-            <a:r>
-              <a:rPr lang="en-US" dirty="0"/>
-              <a:t>ale</a:t>
-            </a:r>
-          </a:p>
-          <a:p>
-            <a:r>
-              <a:rPr lang="en-US" dirty="0"/>
-              <a:t>all</a:t>
-            </a:r>
-          </a:p>
-          <a:p>
-            <a:r>
-              <a:rPr lang="en-US" dirty="0"/>
-              <a:t>hall</a:t>
-            </a:r>
-          </a:p>
-          <a:p>
-            <a:r>
-              <a:rPr lang="en-US" dirty="0"/>
-              <a:t>hail</a:t>
-            </a:r>
-          </a:p>
-          <a:p>
-            <a:r>
-              <a:rPr lang="en-US" dirty="0"/>
-              <a:t>hair</a:t>
-            </a:r>
-          </a:p>
-          <a:p>
-            <a:r>
-              <a:rPr lang="en-US" dirty="0"/>
-              <a:t>chair</a:t>
-            </a:r>
-          </a:p>
-        </p:txBody>
-      </p:sp>
-    </p:spTree>
-    <p:extLst>
-      <p:ext uri="{BB962C8B-B14F-4D97-AF65-F5344CB8AC3E}">
-        <p14:creationId xmlns:p14="http://schemas.microsoft.com/office/powerpoint/2010/main" val="2522051166"/>
-      </p:ext>
-    </p:extLst>
-  </p:cSld>
-  <p:clrMapOvr>
-    <a:masterClrMapping/>
-  </p:clrMapOvr>
-  <p:timing>
-    <p:tnLst>
-      <p:par>
-        <p:cTn xmlns:p14="http://schemas.microsoft.com/office/powerpoint/2010/main" id="1" dur="indefinite" restart="never" nodeType="tmRoot"/>
-      </p:par>
-    </p:tnLst>
-  </p:timing>
-</p:sld>
-</file>
-
 <file path=ppt/slides/slide7.xml><?xml version="1.0" encoding="utf-8"?>
 <p:sld xmlns:a="http://schemas.openxmlformats.org/drawingml/2006/main" xmlns:r="http://schemas.openxmlformats.org/officeDocument/2006/relationships" xmlns:p="http://schemas.openxmlformats.org/presentationml/2006/main">
   <p:cSld>
@@ -6553,7 +6821,7 @@
           <a:p>
             <a:r>
               <a:rPr lang="en-US" dirty="0" smtClean="0"/>
-              <a:t>Shortest Path Problem – Application Cont’d</a:t>
+              <a:t>Shortest Path Problem - Application</a:t>
             </a:r>
             <a:endParaRPr lang="en-US" dirty="0"/>
           </a:p>
@@ -6582,58 +6850,153 @@
           </a:p>
         </p:txBody>
       </p:sp>
-      <p:pic>
-        <p:nvPicPr>
-          <p:cNvPr id="2" name="Picture 1"/>
-          <p:cNvPicPr>
-            <a:picLocks noChangeAspect="1"/>
-          </p:cNvPicPr>
+      <p:sp>
+        <p:nvSpPr>
+          <p:cNvPr id="5" name="TextBox 4"/>
+          <p:cNvSpPr txBox="1"/>
           <p:nvPr/>
-        </p:nvPicPr>
-        <p:blipFill>
-          <a:blip r:embed="rId3"/>
-          <a:stretch>
-            <a:fillRect/>
-          </a:stretch>
-        </p:blipFill>
+        </p:nvSpPr>
         <p:spPr>
           <a:xfrm>
-            <a:off x="228600" y="1981200"/>
-            <a:ext cx="2895600" cy="2895600"/>
+            <a:off x="533400" y="2133600"/>
+            <a:ext cx="5410200" cy="4154983"/>
+          </a:xfrm>
+          <a:prstGeom prst="rect">
+            <a:avLst/>
+          </a:prstGeom>
+          <a:noFill/>
+        </p:spPr>
+        <p:txBody>
+          <a:bodyPr wrap="square" rtlCol="0">
+            <a:spAutoFit/>
+          </a:bodyPr>
+          <a:lstStyle/>
+          <a:p>
+            <a:pPr algn="l"/>
+            <a:r>
+              <a:rPr lang="en-US" sz="2400" dirty="0" smtClean="0"/>
+              <a:t>Given </a:t>
+            </a:r>
+            <a:r>
+              <a:rPr lang="en-US" sz="2400" dirty="0"/>
+              <a:t>a starting word and an ending word, </a:t>
+            </a:r>
+            <a:r>
+              <a:rPr lang="en-US" sz="2400" dirty="0" smtClean="0"/>
+              <a:t>can </a:t>
+            </a:r>
+            <a:r>
+              <a:rPr lang="en-US" sz="2400" dirty="0"/>
+              <a:t>I design an algorithm to transform one word into the </a:t>
+            </a:r>
+            <a:r>
+              <a:rPr lang="en-US" sz="2400" dirty="0" smtClean="0"/>
+              <a:t>other with the minimum number of edits, where an edit is either changing</a:t>
+            </a:r>
+            <a:r>
+              <a:rPr lang="en-US" sz="2400" dirty="0"/>
+              <a:t>, adding, or deleting exactly one letter at a time, with the result being a valid English word at each step</a:t>
+            </a:r>
+            <a:r>
+              <a:rPr lang="en-US" sz="2400" dirty="0" smtClean="0"/>
+              <a:t>?</a:t>
+            </a:r>
+          </a:p>
+          <a:p>
+            <a:pPr algn="l"/>
+            <a:endParaRPr lang="en-US" sz="2400" dirty="0"/>
+          </a:p>
+          <a:p>
+            <a:pPr algn="l"/>
+            <a:r>
+              <a:rPr lang="en-US" sz="2400" dirty="0" smtClean="0"/>
+              <a:t>Example: Table -&gt; Chair:</a:t>
+            </a:r>
+          </a:p>
+          <a:p>
+            <a:pPr algn="l"/>
+            <a:endParaRPr lang="en-US" sz="2400" dirty="0"/>
+          </a:p>
+          <a:p>
+            <a:pPr algn="l"/>
+            <a:endParaRPr lang="en-US" sz="2400" dirty="0"/>
+          </a:p>
+        </p:txBody>
+      </p:sp>
+      <p:sp>
+        <p:nvSpPr>
+          <p:cNvPr id="8" name="Rectangle 7"/>
+          <p:cNvSpPr/>
+          <p:nvPr/>
+        </p:nvSpPr>
+        <p:spPr>
+          <a:xfrm>
+            <a:off x="1714500" y="5562600"/>
+            <a:ext cx="3619500" cy="2308324"/>
           </a:xfrm>
           <a:prstGeom prst="rect">
             <a:avLst/>
           </a:prstGeom>
         </p:spPr>
-      </p:pic>
-      <p:pic>
-        <p:nvPicPr>
-          <p:cNvPr id="3" name="Picture 2"/>
-          <p:cNvPicPr>
-            <a:picLocks noChangeAspect="1"/>
-          </p:cNvPicPr>
-          <p:nvPr/>
-        </p:nvPicPr>
-        <p:blipFill>
-          <a:blip r:embed="rId4"/>
-          <a:stretch>
-            <a:fillRect/>
-          </a:stretch>
-        </p:blipFill>
-        <p:spPr>
-          <a:xfrm>
-            <a:off x="2590800" y="5029200"/>
-            <a:ext cx="3860800" cy="2895600"/>
-          </a:xfrm>
-          <a:prstGeom prst="rect">
-            <a:avLst/>
-          </a:prstGeom>
-        </p:spPr>
-      </p:pic>
+        <p:txBody>
+          <a:bodyPr wrap="square">
+            <a:spAutoFit/>
+          </a:bodyPr>
+          <a:lstStyle/>
+          <a:p>
+            <a:r>
+              <a:rPr lang="en-US" dirty="0"/>
+              <a:t>table</a:t>
+            </a:r>
+          </a:p>
+          <a:p>
+            <a:r>
+              <a:rPr lang="en-US" dirty="0"/>
+              <a:t>able</a:t>
+            </a:r>
+          </a:p>
+          <a:p>
+            <a:r>
+              <a:rPr lang="en-US" dirty="0"/>
+              <a:t>ale</a:t>
+            </a:r>
+          </a:p>
+          <a:p>
+            <a:r>
+              <a:rPr lang="en-US" dirty="0"/>
+              <a:t>all</a:t>
+            </a:r>
+          </a:p>
+          <a:p>
+            <a:r>
+              <a:rPr lang="en-US" dirty="0"/>
+              <a:t>hall</a:t>
+            </a:r>
+          </a:p>
+          <a:p>
+            <a:r>
+              <a:rPr lang="en-US" dirty="0"/>
+              <a:t>hail</a:t>
+            </a:r>
+          </a:p>
+          <a:p>
+            <a:r>
+              <a:rPr lang="en-US" dirty="0"/>
+              <a:t>hair</a:t>
+            </a:r>
+          </a:p>
+          <a:p>
+            <a:r>
+              <a:rPr lang="en-US" dirty="0"/>
+              <a:t>chair</a:t>
+            </a:r>
+          </a:p>
+        </p:txBody>
+      </p:sp>
     </p:spTree>
     <p:extLst>
       <p:ext uri="{BB962C8B-B14F-4D97-AF65-F5344CB8AC3E}">
-        <p14:creationId xmlns:p14="http://schemas.microsoft.com/office/powerpoint/2010/main" val="4191186313"/>
+        <p14:creationId xmlns:p14="http://schemas.microsoft.com/office/powerpoint/2010/main" val="2522051166"/>
       </p:ext>
     </p:extLst>
   </p:cSld>
@@ -6669,7 +7032,30 @@
       </p:grpSpPr>
       <p:sp>
         <p:nvSpPr>
-          <p:cNvPr id="7" name="Slide Number Placeholder 5"/>
+          <p:cNvPr id="4" name="Date Placeholder 3"/>
+          <p:cNvSpPr>
+            <a:spLocks noGrp="1"/>
+          </p:cNvSpPr>
+          <p:nvPr>
+            <p:ph type="dt" sz="half" idx="10"/>
+          </p:nvPr>
+        </p:nvSpPr>
+        <p:spPr/>
+        <p:txBody>
+          <a:bodyPr/>
+          <a:lstStyle/>
+          <a:p>
+            <a:r>
+              <a:rPr lang="en-US" smtClean="0"/>
+              <a:t>9/16/2013,  9/18/2013</a:t>
+            </a:r>
+            <a:endParaRPr lang="en-US"/>
+          </a:p>
+        </p:txBody>
+      </p:sp>
+      <p:sp>
+        <p:nvSpPr>
+          <p:cNvPr id="6" name="Slide Number Placeholder 5"/>
           <p:cNvSpPr>
             <a:spLocks noGrp="1"/>
           </p:cNvSpPr>
@@ -6685,7 +7071,7 @@
             <a:endParaRPr lang="en-US"/>
           </a:p>
           <a:p>
-            <a:fld id="{FC3A5997-C248-A94A-8702-5257F8D29E5C}" type="slidenum">
+            <a:fld id="{718A6759-E91E-E444-8799-A15035B85E5E}" type="slidenum">
               <a:rPr lang="en-US"/>
               <a:pPr/>
               <a:t>8</a:t>
@@ -6694,356 +7080,113 @@
           </a:p>
         </p:txBody>
       </p:sp>
+      <p:sp>
+        <p:nvSpPr>
+          <p:cNvPr id="3074" name="Rectangle 2"/>
+          <p:cNvSpPr>
+            <a:spLocks noGrp="1" noChangeArrowheads="1"/>
+          </p:cNvSpPr>
+          <p:nvPr>
+            <p:ph type="title"/>
+          </p:nvPr>
+        </p:nvSpPr>
+        <p:spPr/>
+        <p:txBody>
+          <a:bodyPr/>
+          <a:lstStyle/>
+          <a:p>
+            <a:r>
+              <a:rPr lang="en-US" dirty="0" smtClean="0"/>
+              <a:t>Shortest Path Problem – Application Cont’d</a:t>
+            </a:r>
+            <a:endParaRPr lang="en-US" dirty="0"/>
+          </a:p>
+        </p:txBody>
+      </p:sp>
+      <p:sp>
+        <p:nvSpPr>
+          <p:cNvPr id="7" name="Footer Placeholder 6"/>
+          <p:cNvSpPr>
+            <a:spLocks noGrp="1"/>
+          </p:cNvSpPr>
+          <p:nvPr>
+            <p:ph type="ftr" sz="quarter" idx="11"/>
+          </p:nvPr>
+        </p:nvSpPr>
+        <p:spPr/>
+        <p:txBody>
+          <a:bodyPr/>
+          <a:lstStyle/>
+          <a:p>
+            <a:r>
+              <a:rPr lang="en-US" smtClean="0"/>
+              <a:t>Professor Dong Washington University in St. Louis, MO</a:t>
+            </a:r>
+            <a:endParaRPr lang="en-US" dirty="0"/>
+          </a:p>
+        </p:txBody>
+      </p:sp>
       <p:pic>
         <p:nvPicPr>
-          <p:cNvPr id="188418" name="Picture 2" descr="j0285468"/>
+          <p:cNvPr id="2" name="Picture 1"/>
           <p:cNvPicPr>
-            <a:picLocks noChangeAspect="1" noChangeArrowheads="1"/>
+            <a:picLocks noChangeAspect="1"/>
           </p:cNvPicPr>
           <p:nvPr/>
         </p:nvPicPr>
         <p:blipFill>
           <a:blip r:embed="rId3"/>
-          <a:srcRect/>
           <a:stretch>
             <a:fillRect/>
           </a:stretch>
         </p:blipFill>
-        <p:spPr bwMode="auto">
+        <p:spPr>
           <a:xfrm>
-            <a:off x="5715000" y="7924800"/>
-            <a:ext cx="908050" cy="908050"/>
+            <a:off x="2057400" y="1905000"/>
+            <a:ext cx="2895600" cy="2895600"/>
+          </a:xfrm>
+          <a:prstGeom prst="rect">
+            <a:avLst/>
+          </a:prstGeom>
+        </p:spPr>
+      </p:pic>
+      <p:sp>
+        <p:nvSpPr>
+          <p:cNvPr id="5" name="TextBox 4"/>
+          <p:cNvSpPr txBox="1"/>
+          <p:nvPr/>
+        </p:nvSpPr>
+        <p:spPr>
+          <a:xfrm>
+            <a:off x="685800" y="5867400"/>
+            <a:ext cx="5486400" cy="646331"/>
           </a:xfrm>
           <a:prstGeom prst="rect">
             <a:avLst/>
           </a:prstGeom>
           <a:noFill/>
         </p:spPr>
-      </p:pic>
-      <p:sp>
-        <p:nvSpPr>
-          <p:cNvPr id="188419" name="Rectangle 3"/>
-          <p:cNvSpPr>
-            <a:spLocks noGrp="1" noChangeArrowheads="1"/>
-          </p:cNvSpPr>
-          <p:nvPr>
-            <p:ph type="title"/>
-          </p:nvPr>
-        </p:nvSpPr>
-        <p:spPr/>
-        <p:txBody>
-          <a:bodyPr/>
+        <p:txBody>
+          <a:bodyPr wrap="square" rtlCol="0">
+            <a:spAutoFit/>
+          </a:bodyPr>
           <a:lstStyle/>
           <a:p>
-            <a:r>
-              <a:rPr lang="en-US"/>
-              <a:t>Multi-period Investment:</a:t>
-            </a:r>
-            <a:br>
-              <a:rPr lang="en-US"/>
-            </a:br>
-            <a:r>
-              <a:rPr lang="en-US"/>
-              <a:t>Planning for Tuition Expenses</a:t>
-            </a:r>
-          </a:p>
-        </p:txBody>
-      </p:sp>
-      <p:sp>
-        <p:nvSpPr>
-          <p:cNvPr id="188420" name="Rectangle 4"/>
-          <p:cNvSpPr>
-            <a:spLocks noGrp="1" noChangeArrowheads="1"/>
-          </p:cNvSpPr>
-          <p:nvPr>
-            <p:ph type="body" idx="1"/>
-          </p:nvPr>
-        </p:nvSpPr>
-        <p:spPr>
-          <a:xfrm>
-            <a:off x="0" y="1524000"/>
-            <a:ext cx="6477000" cy="7010400"/>
-          </a:xfrm>
-          <a:noFill/>
-        </p:spPr>
-        <p:txBody>
-          <a:bodyPr/>
-          <a:lstStyle/>
-          <a:p>
-            <a:pPr algn="just">
-              <a:lnSpc>
-                <a:spcPct val="130000"/>
-              </a:lnSpc>
-              <a:buFontTx/>
-              <a:buNone/>
-            </a:pPr>
-            <a:r>
-              <a:rPr lang="en-US" sz="1400" dirty="0"/>
-              <a:t>	</a:t>
-            </a:r>
-            <a:r>
-              <a:rPr lang="en-US" sz="1600" dirty="0"/>
-              <a:t>Two parents want to provide for their daughter’s college education with some of the $80,000 they have recently inherited.  They hope to </a:t>
-            </a:r>
-            <a:r>
-              <a:rPr lang="en-US" sz="1600" b="1" dirty="0"/>
-              <a:t>set aside part of the money in the beginning of year 1</a:t>
-            </a:r>
-            <a:r>
-              <a:rPr lang="en-US" sz="1600" dirty="0"/>
-              <a:t> and establish an account that would cover the needs of their daughter’s </a:t>
-            </a:r>
-            <a:r>
-              <a:rPr lang="en-US" sz="1600" b="1" dirty="0"/>
-              <a:t>college education, which begins four years from now (i.e., the beginning of year 5).</a:t>
-            </a:r>
-            <a:r>
-              <a:rPr lang="en-US" sz="1600" dirty="0"/>
-              <a:t>  Their estimate is that first-year college expenses will come to $24,000 and will increase $2000 per year during each of the remaining three years of college.  The following investments are available to them. They would like to determine </a:t>
-            </a:r>
-            <a:r>
-              <a:rPr lang="en-US" sz="1600" b="1" dirty="0"/>
-              <a:t>an investment portfolio for the coming eight years</a:t>
-            </a:r>
-            <a:r>
-              <a:rPr lang="en-US" sz="1600" dirty="0"/>
-              <a:t> that will provide the necessary funds to cover their daughter’s anticipated college expenses with </a:t>
-            </a:r>
-            <a:r>
-              <a:rPr lang="en-US" sz="1600" b="1" dirty="0"/>
-              <a:t>the smallest investment from the $80,000</a:t>
-            </a:r>
-            <a:r>
-              <a:rPr lang="en-US" sz="1600" dirty="0"/>
-              <a:t>.</a:t>
-            </a:r>
-            <a:endParaRPr lang="en-US" sz="1600" i="1" u="sng" dirty="0"/>
-          </a:p>
-          <a:p>
-            <a:pPr>
-              <a:lnSpc>
-                <a:spcPct val="80000"/>
-              </a:lnSpc>
-              <a:buFontTx/>
-              <a:buNone/>
-            </a:pPr>
-            <a:endParaRPr lang="en-US" sz="1000" i="1" u="sng" dirty="0"/>
-          </a:p>
-          <a:p>
-            <a:pPr>
-              <a:lnSpc>
-                <a:spcPct val="80000"/>
-              </a:lnSpc>
-              <a:buFontTx/>
-              <a:buNone/>
-            </a:pPr>
-            <a:endParaRPr lang="en-US" sz="1000" i="1" u="sng" dirty="0"/>
-          </a:p>
-          <a:p>
-            <a:pPr>
-              <a:lnSpc>
-                <a:spcPct val="80000"/>
-              </a:lnSpc>
-              <a:buFontTx/>
-              <a:buNone/>
-            </a:pPr>
-            <a:r>
-              <a:rPr lang="en-US" sz="1400" i="1" u="sng" dirty="0"/>
-              <a:t>Investment     Available for investment      Matures	  Return at Maturity</a:t>
-            </a:r>
-          </a:p>
-          <a:p>
-            <a:pPr>
-              <a:lnSpc>
-                <a:spcPct val="80000"/>
-              </a:lnSpc>
-              <a:buFontTx/>
-              <a:buNone/>
-            </a:pPr>
-            <a:r>
-              <a:rPr lang="en-US" sz="1400" dirty="0"/>
-              <a:t>	A</a:t>
-            </a:r>
-            <a:r>
-              <a:rPr lang="en-US" sz="1400" dirty="0" smtClean="0"/>
-              <a:t> </a:t>
-            </a:r>
-            <a:r>
-              <a:rPr lang="en-US" sz="900" dirty="0" smtClean="0"/>
-              <a:t>                      </a:t>
-            </a:r>
-            <a:r>
-              <a:rPr lang="en-US" sz="1400" dirty="0" smtClean="0"/>
-              <a:t>Every year              </a:t>
-            </a:r>
-            <a:r>
-              <a:rPr lang="en-US" sz="1400" dirty="0"/>
-              <a:t>	in 1 year	 	5%</a:t>
-            </a:r>
-          </a:p>
-          <a:p>
-            <a:pPr>
-              <a:lnSpc>
-                <a:spcPct val="80000"/>
-              </a:lnSpc>
-              <a:buFontTx/>
-              <a:buNone/>
-            </a:pPr>
-            <a:r>
-              <a:rPr lang="en-US" sz="1400" dirty="0"/>
-              <a:t>	B	</a:t>
-            </a:r>
-            <a:r>
-              <a:rPr lang="en-US" sz="1400" dirty="0" smtClean="0"/>
-              <a:t>       In </a:t>
-            </a:r>
-            <a:r>
-              <a:rPr lang="en-US" sz="1400" dirty="0"/>
-              <a:t>years 1, 3, 5, 7   	in 2 years		11%</a:t>
-            </a:r>
-          </a:p>
-          <a:p>
-            <a:pPr>
-              <a:lnSpc>
-                <a:spcPct val="80000"/>
-              </a:lnSpc>
-              <a:buFontTx/>
-              <a:buNone/>
-            </a:pPr>
-            <a:r>
-              <a:rPr lang="en-US" sz="1400" dirty="0"/>
-              <a:t>	C	</a:t>
-            </a:r>
-            <a:r>
-              <a:rPr lang="en-US" sz="1400" dirty="0" smtClean="0"/>
-              <a:t>       In </a:t>
-            </a:r>
-            <a:r>
-              <a:rPr lang="en-US" sz="1400" dirty="0"/>
-              <a:t>years 1, 4                </a:t>
-            </a:r>
-            <a:r>
-              <a:rPr lang="en-US" sz="1400" dirty="0" smtClean="0"/>
-              <a:t>            </a:t>
-            </a:r>
-            <a:r>
-              <a:rPr lang="en-US" sz="1400" dirty="0"/>
-              <a:t>in 3 years		16%</a:t>
-            </a:r>
-          </a:p>
-          <a:p>
-            <a:pPr>
-              <a:lnSpc>
-                <a:spcPct val="80000"/>
-              </a:lnSpc>
-              <a:buFontTx/>
-              <a:buNone/>
-            </a:pPr>
-            <a:r>
-              <a:rPr lang="en-US" sz="1400" dirty="0"/>
-              <a:t>	D	</a:t>
-            </a:r>
-            <a:r>
-              <a:rPr lang="en-US" sz="1400" dirty="0" smtClean="0"/>
-              <a:t>       In </a:t>
-            </a:r>
-            <a:r>
-              <a:rPr lang="en-US" sz="1400" dirty="0"/>
-              <a:t>year 1		in 7 years		44%</a:t>
-            </a:r>
-          </a:p>
-          <a:p>
-            <a:pPr>
-              <a:lnSpc>
-                <a:spcPct val="80000"/>
-              </a:lnSpc>
-              <a:buFontTx/>
-              <a:buNone/>
-            </a:pPr>
-            <a:r>
-              <a:rPr lang="en-US" sz="1400" dirty="0"/>
-              <a:t>       </a:t>
-            </a:r>
-          </a:p>
-          <a:p>
-            <a:pPr>
-              <a:lnSpc>
-                <a:spcPct val="80000"/>
-              </a:lnSpc>
-              <a:buFontTx/>
-              <a:buNone/>
-            </a:pPr>
-            <a:r>
-              <a:rPr lang="en-US" sz="1800" dirty="0"/>
-              <a:t>     </a:t>
-            </a:r>
-            <a:r>
-              <a:rPr lang="en-US" sz="1600" dirty="0"/>
-              <a:t>For example. Investment B matures every two years with a return rate on investment 11%, and can be invested </a:t>
-            </a:r>
-          </a:p>
-          <a:p>
-            <a:pPr>
-              <a:lnSpc>
-                <a:spcPct val="80000"/>
-              </a:lnSpc>
-              <a:buFontTx/>
-              <a:buNone/>
-            </a:pPr>
-            <a:r>
-              <a:rPr lang="en-US" sz="1600" dirty="0"/>
-              <a:t>      in years 1, 3, 5, 7.	</a:t>
-            </a:r>
-          </a:p>
-        </p:txBody>
-      </p:sp>
-      <p:sp>
-        <p:nvSpPr>
-          <p:cNvPr id="2" name="Date Placeholder 1"/>
-          <p:cNvSpPr>
-            <a:spLocks noGrp="1"/>
-          </p:cNvSpPr>
-          <p:nvPr>
-            <p:ph type="dt" sz="half" idx="10"/>
-          </p:nvPr>
-        </p:nvSpPr>
-        <p:spPr/>
-        <p:txBody>
-          <a:bodyPr/>
-          <a:lstStyle/>
-          <a:p>
-            <a:r>
-              <a:rPr lang="en-US" smtClean="0"/>
-              <a:t>9/16/2013,  9/18/2013</a:t>
-            </a:r>
-            <a:endParaRPr lang="en-US"/>
-          </a:p>
-        </p:txBody>
-      </p:sp>
-      <p:sp>
-        <p:nvSpPr>
-          <p:cNvPr id="3" name="Footer Placeholder 2"/>
-          <p:cNvSpPr>
-            <a:spLocks noGrp="1"/>
-          </p:cNvSpPr>
-          <p:nvPr>
-            <p:ph type="ftr" sz="quarter" idx="11"/>
-          </p:nvPr>
-        </p:nvSpPr>
-        <p:spPr/>
-        <p:txBody>
-          <a:bodyPr/>
-          <a:lstStyle/>
-          <a:p>
-            <a:r>
-              <a:rPr lang="en-US" smtClean="0"/>
-              <a:t>Professor Dong Washington University in St. Louis, MO</a:t>
-            </a:r>
-            <a:endParaRPr lang="en-US"/>
+            <a:pPr algn="l"/>
+            <a:r>
+              <a:rPr lang="en-US" dirty="0" smtClean="0"/>
+              <a:t>What is the relevance of these types of ideas in social networks?</a:t>
+            </a:r>
+            <a:endParaRPr lang="en-US" dirty="0"/>
           </a:p>
         </p:txBody>
       </p:sp>
     </p:spTree>
+    <p:extLst>
+      <p:ext uri="{BB962C8B-B14F-4D97-AF65-F5344CB8AC3E}">
+        <p14:creationId xmlns:p14="http://schemas.microsoft.com/office/powerpoint/2010/main" val="4191186313"/>
+      </p:ext>
+    </p:extLst>
   </p:cSld>
   <p:clrMapOvr>
     <a:masterClrMapping/>
@@ -7077,12 +7220,12 @@
       </p:grpSpPr>
       <p:sp>
         <p:nvSpPr>
-          <p:cNvPr id="5" name="Date Placeholder 3"/>
-          <p:cNvSpPr>
-            <a:spLocks noGrp="1"/>
-          </p:cNvSpPr>
-          <p:nvPr>
-            <p:ph type="dt" sz="half" idx="10"/>
+          <p:cNvPr id="7" name="Slide Number Placeholder 5"/>
+          <p:cNvSpPr>
+            <a:spLocks noGrp="1"/>
+          </p:cNvSpPr>
+          <p:nvPr>
+            <p:ph type="sldNum" sz="quarter" idx="12"/>
           </p:nvPr>
         </p:nvSpPr>
         <p:spPr/>
@@ -7090,33 +7233,10 @@
           <a:bodyPr/>
           <a:lstStyle/>
           <a:p>
-            <a:r>
-              <a:rPr lang="en-US" smtClean="0"/>
-              <a:t>9/16/2013,  9/18/2013</a:t>
-            </a:r>
-            <a:endParaRPr lang="en-US"/>
-          </a:p>
-        </p:txBody>
-      </p:sp>
-      <p:sp>
-        <p:nvSpPr>
-          <p:cNvPr id="7" name="Slide Number Placeholder 5"/>
-          <p:cNvSpPr>
-            <a:spLocks noGrp="1"/>
-          </p:cNvSpPr>
-          <p:nvPr>
-            <p:ph type="sldNum" sz="quarter" idx="12"/>
-          </p:nvPr>
-        </p:nvSpPr>
-        <p:spPr/>
-        <p:txBody>
-          <a:bodyPr/>
-          <a:lstStyle/>
-          <a:p>
-            <a:endParaRPr lang="en-US"/>
-          </a:p>
-          <a:p>
-            <a:fld id="{078BF8E2-08DE-A748-A348-639BD31F2236}" type="slidenum">
+            <a:endParaRPr lang="en-US"/>
+          </a:p>
+          <a:p>
+            <a:fld id="{FC3A5997-C248-A94A-8702-5257F8D29E5C}" type="slidenum">
               <a:rPr lang="en-US"/>
               <a:pPr/>
               <a:t>9</a:t>
@@ -7125,139 +7245,9 @@
           </a:p>
         </p:txBody>
       </p:sp>
-      <p:sp>
-        <p:nvSpPr>
-          <p:cNvPr id="190466" name="Rectangle 2"/>
-          <p:cNvSpPr>
-            <a:spLocks noGrp="1" noChangeArrowheads="1"/>
-          </p:cNvSpPr>
-          <p:nvPr>
-            <p:ph type="title"/>
-          </p:nvPr>
-        </p:nvSpPr>
-        <p:spPr/>
-        <p:txBody>
-          <a:bodyPr/>
-          <a:lstStyle/>
-          <a:p>
-            <a:r>
-              <a:rPr lang="en-US"/>
-              <a:t>Planning for Tuition Expenses</a:t>
-            </a:r>
-          </a:p>
-        </p:txBody>
-      </p:sp>
-      <p:sp>
-        <p:nvSpPr>
-          <p:cNvPr id="190467" name="Rectangle 3"/>
-          <p:cNvSpPr>
-            <a:spLocks noGrp="1" noChangeArrowheads="1"/>
-          </p:cNvSpPr>
-          <p:nvPr>
-            <p:ph type="body" idx="1"/>
-          </p:nvPr>
-        </p:nvSpPr>
-        <p:spPr>
-          <a:xfrm>
-            <a:off x="533400" y="1676400"/>
-            <a:ext cx="5829300" cy="6629400"/>
-          </a:xfrm>
-        </p:spPr>
-        <p:txBody>
-          <a:bodyPr/>
-          <a:lstStyle/>
-          <a:p>
-            <a:pPr algn="just">
-              <a:lnSpc>
-                <a:spcPct val="120000"/>
-              </a:lnSpc>
-              <a:buFontTx/>
-              <a:buNone/>
-            </a:pPr>
-            <a:r>
-              <a:rPr lang="en-US"/>
-              <a:t>1. What must be decided? What are the decision variables? </a:t>
-            </a:r>
-          </a:p>
-          <a:p>
-            <a:endParaRPr lang="en-US"/>
-          </a:p>
-          <a:p>
-            <a:endParaRPr lang="en-US"/>
-          </a:p>
-          <a:p>
-            <a:endParaRPr lang="en-US"/>
-          </a:p>
-          <a:p>
-            <a:endParaRPr lang="en-US"/>
-          </a:p>
-          <a:p>
-            <a:endParaRPr lang="en-US"/>
-          </a:p>
-          <a:p>
-            <a:endParaRPr lang="en-US"/>
-          </a:p>
-          <a:p>
-            <a:endParaRPr lang="en-US"/>
-          </a:p>
-          <a:p>
-            <a:endParaRPr lang="en-US"/>
-          </a:p>
-          <a:p>
-            <a:pPr>
-              <a:buFontTx/>
-              <a:buNone/>
-            </a:pPr>
-            <a:r>
-              <a:rPr lang="en-US"/>
-              <a:t>2. What measure should we use to compare alternative sets of decisions?</a:t>
-            </a:r>
-          </a:p>
-          <a:p>
-            <a:pPr>
-              <a:buFontTx/>
-              <a:buNone/>
-            </a:pPr>
-            <a:endParaRPr lang="en-US"/>
-          </a:p>
-          <a:p>
-            <a:pPr>
-              <a:buFontTx/>
-              <a:buNone/>
-            </a:pPr>
-            <a:endParaRPr lang="en-US"/>
-          </a:p>
-          <a:p>
-            <a:pPr>
-              <a:buFontTx/>
-              <a:buNone/>
-            </a:pPr>
-            <a:r>
-              <a:rPr lang="en-US"/>
-              <a:t>3. What restrictions limit our choices?</a:t>
-            </a:r>
-            <a:r>
-              <a:rPr lang="en-US">
-                <a:latin typeface="Lucida Sans" charset="0"/>
-              </a:rPr>
-              <a:t> </a:t>
-            </a:r>
-            <a:endParaRPr lang="en-US"/>
-          </a:p>
-          <a:p>
-            <a:endParaRPr lang="en-US"/>
-          </a:p>
-          <a:p>
-            <a:endParaRPr lang="en-US"/>
-          </a:p>
-          <a:p>
-            <a:endParaRPr lang="en-US" sz="3200"/>
-          </a:p>
-        </p:txBody>
-      </p:sp>
       <p:pic>
         <p:nvPicPr>
-          <p:cNvPr id="190468" name="Picture 4" descr="j0285468"/>
+          <p:cNvPr id="188418" name="Picture 2" descr="j0285468"/>
           <p:cNvPicPr>
             <a:picLocks noChangeAspect="1" noChangeArrowheads="1"/>
           </p:cNvPicPr>
@@ -7272,7 +7262,7 @@
         </p:blipFill>
         <p:spPr bwMode="auto">
           <a:xfrm>
-            <a:off x="5791200" y="7543800"/>
+            <a:off x="5715000" y="7924800"/>
             <a:ext cx="908050" cy="908050"/>
           </a:xfrm>
           <a:prstGeom prst="rect">
@@ -7283,7 +7273,307 @@
       </p:pic>
       <p:sp>
         <p:nvSpPr>
-          <p:cNvPr id="8" name="Footer Placeholder 7"/>
+          <p:cNvPr id="188419" name="Rectangle 3"/>
+          <p:cNvSpPr>
+            <a:spLocks noGrp="1" noChangeArrowheads="1"/>
+          </p:cNvSpPr>
+          <p:nvPr>
+            <p:ph type="title"/>
+          </p:nvPr>
+        </p:nvSpPr>
+        <p:spPr/>
+        <p:txBody>
+          <a:bodyPr/>
+          <a:lstStyle/>
+          <a:p>
+            <a:r>
+              <a:rPr lang="en-US"/>
+              <a:t>Multi-period Investment:</a:t>
+            </a:r>
+            <a:br>
+              <a:rPr lang="en-US"/>
+            </a:br>
+            <a:r>
+              <a:rPr lang="en-US"/>
+              <a:t>Planning for Tuition Expenses</a:t>
+            </a:r>
+          </a:p>
+        </p:txBody>
+      </p:sp>
+      <p:sp>
+        <p:nvSpPr>
+          <p:cNvPr id="188420" name="Rectangle 4"/>
+          <p:cNvSpPr>
+            <a:spLocks noGrp="1" noChangeArrowheads="1"/>
+          </p:cNvSpPr>
+          <p:nvPr>
+            <p:ph type="body" idx="1"/>
+          </p:nvPr>
+        </p:nvSpPr>
+        <p:spPr>
+          <a:xfrm>
+            <a:off x="0" y="1524000"/>
+            <a:ext cx="6477000" cy="7010400"/>
+          </a:xfrm>
+          <a:noFill/>
+        </p:spPr>
+        <p:txBody>
+          <a:bodyPr/>
+          <a:lstStyle/>
+          <a:p>
+            <a:pPr algn="just">
+              <a:lnSpc>
+                <a:spcPct val="130000"/>
+              </a:lnSpc>
+              <a:buFontTx/>
+              <a:buNone/>
+            </a:pPr>
+            <a:r>
+              <a:rPr lang="en-US" sz="1400" dirty="0"/>
+              <a:t>	</a:t>
+            </a:r>
+            <a:r>
+              <a:rPr lang="en-US" sz="1600" dirty="0"/>
+              <a:t>Two parents want to provide for their daughter’s college education with some of the $80,000 they have recently inherited.  They hope to </a:t>
+            </a:r>
+            <a:r>
+              <a:rPr lang="en-US" sz="1600" b="1" dirty="0"/>
+              <a:t>set aside part of the money in the beginning of year 1</a:t>
+            </a:r>
+            <a:r>
+              <a:rPr lang="en-US" sz="1600" dirty="0"/>
+              <a:t> and establish an account that would cover the needs of their daughter’s </a:t>
+            </a:r>
+            <a:r>
+              <a:rPr lang="en-US" sz="1600" b="1" dirty="0"/>
+              <a:t>college education, which begins four years from now (i.e., the beginning of year 5).</a:t>
+            </a:r>
+            <a:r>
+              <a:rPr lang="en-US" sz="1600" dirty="0"/>
+              <a:t>  Their estimate is that first-year college expenses will come to $24,000 and will increase $2000 per year during each of the remaining three years of college.  The following investments are available to them. They would like to determine </a:t>
+            </a:r>
+            <a:r>
+              <a:rPr lang="en-US" sz="1600" b="1" dirty="0"/>
+              <a:t>an investment portfolio for the coming eight years</a:t>
+            </a:r>
+            <a:r>
+              <a:rPr lang="en-US" sz="1600" dirty="0"/>
+              <a:t> that will provide the necessary funds to cover their daughter’s anticipated college expenses with </a:t>
+            </a:r>
+            <a:r>
+              <a:rPr lang="en-US" sz="1600" b="1" dirty="0"/>
+              <a:t>the smallest investment from the $80,000</a:t>
+            </a:r>
+            <a:r>
+              <a:rPr lang="en-US" sz="1600" dirty="0"/>
+              <a:t>.</a:t>
+            </a:r>
+            <a:endParaRPr lang="en-US" sz="1600" i="1" u="sng" dirty="0"/>
+          </a:p>
+          <a:p>
+            <a:pPr>
+              <a:lnSpc>
+                <a:spcPct val="80000"/>
+              </a:lnSpc>
+              <a:buFontTx/>
+              <a:buNone/>
+            </a:pPr>
+            <a:endParaRPr lang="en-US" sz="1000" i="1" u="sng" dirty="0"/>
+          </a:p>
+          <a:p>
+            <a:pPr>
+              <a:lnSpc>
+                <a:spcPct val="80000"/>
+              </a:lnSpc>
+              <a:buFontTx/>
+              <a:buNone/>
+            </a:pPr>
+            <a:endParaRPr lang="en-US" sz="1000" i="1" u="sng" dirty="0"/>
+          </a:p>
+          <a:p>
+            <a:pPr>
+              <a:lnSpc>
+                <a:spcPct val="80000"/>
+              </a:lnSpc>
+              <a:buFontTx/>
+              <a:buNone/>
+            </a:pPr>
+            <a:r>
+              <a:rPr lang="en-US" sz="1400" i="1" u="sng" dirty="0"/>
+              <a:t>Investment     Available for investment      Matures	  Return at Maturity</a:t>
+            </a:r>
+          </a:p>
+          <a:p>
+            <a:pPr>
+              <a:lnSpc>
+                <a:spcPct val="80000"/>
+              </a:lnSpc>
+              <a:buFontTx/>
+              <a:buNone/>
+            </a:pPr>
+            <a:r>
+              <a:rPr lang="en-US" sz="1400" dirty="0"/>
+              <a:t>	A</a:t>
+            </a:r>
+            <a:r>
+              <a:rPr lang="en-US" sz="1400" dirty="0" smtClean="0"/>
+              <a:t> </a:t>
+            </a:r>
+            <a:r>
+              <a:rPr lang="en-US" sz="900" dirty="0" smtClean="0"/>
+              <a:t>                      </a:t>
+            </a:r>
+            <a:r>
+              <a:rPr lang="en-US" sz="1400" dirty="0" smtClean="0"/>
+              <a:t>Every year              </a:t>
+            </a:r>
+            <a:r>
+              <a:rPr lang="en-US" sz="1400" dirty="0"/>
+              <a:t>	in 1 year	 	5%</a:t>
+            </a:r>
+          </a:p>
+          <a:p>
+            <a:pPr>
+              <a:lnSpc>
+                <a:spcPct val="80000"/>
+              </a:lnSpc>
+              <a:buFontTx/>
+              <a:buNone/>
+            </a:pPr>
+            <a:r>
+              <a:rPr lang="en-US" sz="1400" dirty="0"/>
+              <a:t>	B	</a:t>
+            </a:r>
+            <a:r>
+              <a:rPr lang="en-US" sz="1400" dirty="0" smtClean="0"/>
+              <a:t>       In </a:t>
+            </a:r>
+            <a:r>
+              <a:rPr lang="en-US" sz="1400" dirty="0"/>
+              <a:t>years 1, 3, 5, 7   	in 2 years		11%</a:t>
+            </a:r>
+          </a:p>
+          <a:p>
+            <a:pPr>
+              <a:lnSpc>
+                <a:spcPct val="80000"/>
+              </a:lnSpc>
+              <a:buFontTx/>
+              <a:buNone/>
+            </a:pPr>
+            <a:r>
+              <a:rPr lang="en-US" sz="1400" dirty="0"/>
+              <a:t>	C	</a:t>
+            </a:r>
+            <a:r>
+              <a:rPr lang="en-US" sz="1400" dirty="0" smtClean="0"/>
+              <a:t>       In </a:t>
+            </a:r>
+            <a:r>
+              <a:rPr lang="en-US" sz="1400" dirty="0"/>
+              <a:t>years 1, 4                </a:t>
+            </a:r>
+            <a:r>
+              <a:rPr lang="en-US" sz="1400" dirty="0" smtClean="0"/>
+              <a:t>            </a:t>
+            </a:r>
+            <a:r>
+              <a:rPr lang="en-US" sz="1400" dirty="0"/>
+              <a:t>in 3 years		16%</a:t>
+            </a:r>
+          </a:p>
+          <a:p>
+            <a:pPr>
+              <a:lnSpc>
+                <a:spcPct val="80000"/>
+              </a:lnSpc>
+              <a:buFontTx/>
+              <a:buNone/>
+            </a:pPr>
+            <a:r>
+              <a:rPr lang="en-US" sz="1400" dirty="0"/>
+              <a:t>	D	</a:t>
+            </a:r>
+            <a:r>
+              <a:rPr lang="en-US" sz="1400" dirty="0" smtClean="0"/>
+              <a:t>       In </a:t>
+            </a:r>
+            <a:r>
+              <a:rPr lang="en-US" sz="1400" dirty="0"/>
+              <a:t>year 1		in 7 years		44%</a:t>
+            </a:r>
+          </a:p>
+          <a:p>
+            <a:pPr>
+              <a:lnSpc>
+                <a:spcPct val="80000"/>
+              </a:lnSpc>
+              <a:buFontTx/>
+              <a:buNone/>
+            </a:pPr>
+            <a:r>
+              <a:rPr lang="en-US" sz="1400" dirty="0"/>
+              <a:t>       </a:t>
+            </a:r>
+          </a:p>
+          <a:p>
+            <a:pPr>
+              <a:lnSpc>
+                <a:spcPct val="80000"/>
+              </a:lnSpc>
+              <a:buFontTx/>
+              <a:buNone/>
+            </a:pPr>
+            <a:r>
+              <a:rPr lang="en-US" sz="1800" dirty="0"/>
+              <a:t>     </a:t>
+            </a:r>
+            <a:r>
+              <a:rPr lang="en-US" sz="1600" dirty="0"/>
+              <a:t>For example. Investment B matures every two years with a return rate on investment 11%, and can be invested </a:t>
+            </a:r>
+          </a:p>
+          <a:p>
+            <a:pPr>
+              <a:lnSpc>
+                <a:spcPct val="80000"/>
+              </a:lnSpc>
+              <a:buFontTx/>
+              <a:buNone/>
+            </a:pPr>
+            <a:r>
+              <a:rPr lang="en-US" sz="1600" dirty="0"/>
+              <a:t>      in years 1, 3, 5, 7.	</a:t>
+            </a:r>
+          </a:p>
+        </p:txBody>
+      </p:sp>
+      <p:sp>
+        <p:nvSpPr>
+          <p:cNvPr id="2" name="Date Placeholder 1"/>
+          <p:cNvSpPr>
+            <a:spLocks noGrp="1"/>
+          </p:cNvSpPr>
+          <p:nvPr>
+            <p:ph type="dt" sz="half" idx="10"/>
+          </p:nvPr>
+        </p:nvSpPr>
+        <p:spPr/>
+        <p:txBody>
+          <a:bodyPr/>
+          <a:lstStyle/>
+          <a:p>
+            <a:r>
+              <a:rPr lang="en-US" smtClean="0"/>
+              <a:t>9/16/2013,  9/18/2013</a:t>
+            </a:r>
+            <a:endParaRPr lang="en-US"/>
+          </a:p>
+        </p:txBody>
+      </p:sp>
+      <p:sp>
+        <p:nvSpPr>
+          <p:cNvPr id="3" name="Footer Placeholder 2"/>
           <p:cNvSpPr>
             <a:spLocks noGrp="1"/>
           </p:cNvSpPr>
@@ -7300,7 +7590,7 @@
               <a:rPr lang="en-US" smtClean="0"/>
               <a:t>Professor Dong Washington University in St. Louis, MO</a:t>
             </a:r>
-            <a:endParaRPr lang="en-US" dirty="0"/>
+            <a:endParaRPr lang="en-US"/>
           </a:p>
         </p:txBody>
       </p:sp>
